--- a/cse135schema.pptx
+++ b/cse135schema.pptx
@@ -3238,12 +3238,20 @@
           <a:p>
             <a:pPr algn="ctr"/>
             <a:r>
+              <a:rPr lang="en-US" dirty="0">
+                <a:solidFill>
+                  <a:srgbClr val="000000"/>
+                </a:solidFill>
+              </a:rPr>
+              <a:t>c</a:t>
+            </a:r>
+            <a:r>
               <a:rPr lang="en-US" dirty="0" smtClean="0">
                 <a:solidFill>
                   <a:srgbClr val="000000"/>
                 </a:solidFill>
               </a:rPr>
-              <a:t>Carts</a:t>
+              <a:t>arts</a:t>
             </a:r>
             <a:endParaRPr lang="en-US" dirty="0">
               <a:solidFill>
@@ -3319,8 +3327,8 @@
         </p:nvSpPr>
         <p:spPr>
           <a:xfrm>
-            <a:off x="2751667" y="4878916"/>
-            <a:ext cx="3174999" cy="802217"/>
+            <a:off x="3109382" y="4878916"/>
+            <a:ext cx="2330452" cy="802217"/>
           </a:xfrm>
           <a:prstGeom prst="diamond">
             <a:avLst/>
@@ -3351,7 +3359,7 @@
                   <a:srgbClr val="000000"/>
                 </a:solidFill>
               </a:rPr>
-              <a:t>c</a:t>
+              <a:t>p</a:t>
             </a:r>
             <a:r>
               <a:rPr lang="en-US" dirty="0" err="1" smtClean="0">
@@ -3359,7 +3367,7 @@
                   <a:srgbClr val="000000"/>
                 </a:solidFill>
               </a:rPr>
-              <a:t>ategorized_in</a:t>
+              <a:t>roducts_categories</a:t>
             </a:r>
             <a:endParaRPr lang="en-US" dirty="0">
               <a:solidFill>
@@ -3378,7 +3386,7 @@
         <p:spPr>
           <a:xfrm>
             <a:off x="6111611" y="2726267"/>
-            <a:ext cx="2048139" cy="802217"/>
+            <a:ext cx="2102881" cy="802217"/>
           </a:xfrm>
           <a:prstGeom prst="diamond">
             <a:avLst/>
@@ -3417,7 +3425,7 @@
                   <a:srgbClr val="000000"/>
                 </a:solidFill>
               </a:rPr>
-              <a:t>ontain_products</a:t>
+              <a:t>arts_products</a:t>
             </a:r>
             <a:endParaRPr lang="en-US" dirty="0">
               <a:solidFill>
@@ -3436,7 +3444,7 @@
         <p:spPr>
           <a:xfrm>
             <a:off x="3109382" y="742950"/>
-            <a:ext cx="2415117" cy="802217"/>
+            <a:ext cx="2626423" cy="802217"/>
           </a:xfrm>
           <a:prstGeom prst="diamond">
             <a:avLst/>
@@ -3467,7 +3475,7 @@
                   <a:srgbClr val="000000"/>
                 </a:solidFill>
               </a:rPr>
-              <a:t>s</a:t>
+              <a:t>c</a:t>
             </a:r>
             <a:r>
               <a:rPr lang="en-US" dirty="0" err="1" smtClean="0">
@@ -3475,7 +3483,7 @@
                   <a:srgbClr val="000000"/>
                 </a:solidFill>
               </a:rPr>
-              <a:t>hop_with</a:t>
+              <a:t>arts_users</a:t>
             </a:r>
             <a:endParaRPr lang="en-US" dirty="0">
               <a:solidFill>
@@ -4540,8 +4548,8 @@
         </p:nvCxnSpPr>
         <p:spPr>
           <a:xfrm flipV="1">
-            <a:off x="5524499" y="1127124"/>
-            <a:ext cx="918634" cy="16935"/>
+            <a:off x="5735805" y="1127124"/>
+            <a:ext cx="707328" cy="16935"/>
           </a:xfrm>
           <a:prstGeom prst="line">
             <a:avLst/>
@@ -4673,7 +4681,7 @@
         <p:spPr>
           <a:xfrm>
             <a:off x="7094008" y="1375832"/>
-            <a:ext cx="41673" cy="1350435"/>
+            <a:ext cx="69044" cy="1350435"/>
           </a:xfrm>
           <a:prstGeom prst="line">
             <a:avLst/>
@@ -4706,7 +4714,7 @@
         <p:spPr>
           <a:xfrm flipH="1">
             <a:off x="7094008" y="3528484"/>
-            <a:ext cx="41673" cy="1477431"/>
+            <a:ext cx="69044" cy="1477431"/>
           </a:xfrm>
           <a:prstGeom prst="line">
             <a:avLst/>
@@ -4870,8 +4878,8 @@
         </p:nvCxnSpPr>
         <p:spPr>
           <a:xfrm flipH="1">
-            <a:off x="5926666" y="5254624"/>
-            <a:ext cx="516467" cy="25401"/>
+            <a:off x="5439834" y="5254624"/>
+            <a:ext cx="1003299" cy="25401"/>
           </a:xfrm>
           <a:prstGeom prst="line">
             <a:avLst/>
@@ -4904,7 +4912,7 @@
         <p:spPr>
           <a:xfrm flipH="1">
             <a:off x="2143130" y="5280025"/>
-            <a:ext cx="608537" cy="0"/>
+            <a:ext cx="966252" cy="0"/>
           </a:xfrm>
           <a:prstGeom prst="line">
             <a:avLst/>

--- a/cse135schema.pptx
+++ b/cse135schema.pptx
@@ -288,7 +288,7 @@
           <a:p>
             <a:fld id="{EE0C2178-2E82-D643-9F71-942F8020EBB4}" type="datetimeFigureOut">
               <a:rPr lang="en-US" smtClean="0"/>
-              <a:t>4/22/14</a:t>
+              <a:t>4/28/14</a:t>
             </a:fld>
             <a:endParaRPr lang="en-US"/>
           </a:p>
@@ -458,7 +458,7 @@
           <a:p>
             <a:fld id="{EE0C2178-2E82-D643-9F71-942F8020EBB4}" type="datetimeFigureOut">
               <a:rPr lang="en-US" smtClean="0"/>
-              <a:t>4/22/14</a:t>
+              <a:t>4/28/14</a:t>
             </a:fld>
             <a:endParaRPr lang="en-US"/>
           </a:p>
@@ -638,7 +638,7 @@
           <a:p>
             <a:fld id="{EE0C2178-2E82-D643-9F71-942F8020EBB4}" type="datetimeFigureOut">
               <a:rPr lang="en-US" smtClean="0"/>
-              <a:t>4/22/14</a:t>
+              <a:t>4/28/14</a:t>
             </a:fld>
             <a:endParaRPr lang="en-US"/>
           </a:p>
@@ -808,7 +808,7 @@
           <a:p>
             <a:fld id="{EE0C2178-2E82-D643-9F71-942F8020EBB4}" type="datetimeFigureOut">
               <a:rPr lang="en-US" smtClean="0"/>
-              <a:t>4/22/14</a:t>
+              <a:t>4/28/14</a:t>
             </a:fld>
             <a:endParaRPr lang="en-US"/>
           </a:p>
@@ -1054,7 +1054,7 @@
           <a:p>
             <a:fld id="{EE0C2178-2E82-D643-9F71-942F8020EBB4}" type="datetimeFigureOut">
               <a:rPr lang="en-US" smtClean="0"/>
-              <a:t>4/22/14</a:t>
+              <a:t>4/28/14</a:t>
             </a:fld>
             <a:endParaRPr lang="en-US"/>
           </a:p>
@@ -1342,7 +1342,7 @@
           <a:p>
             <a:fld id="{EE0C2178-2E82-D643-9F71-942F8020EBB4}" type="datetimeFigureOut">
               <a:rPr lang="en-US" smtClean="0"/>
-              <a:t>4/22/14</a:t>
+              <a:t>4/28/14</a:t>
             </a:fld>
             <a:endParaRPr lang="en-US"/>
           </a:p>
@@ -1764,7 +1764,7 @@
           <a:p>
             <a:fld id="{EE0C2178-2E82-D643-9F71-942F8020EBB4}" type="datetimeFigureOut">
               <a:rPr lang="en-US" smtClean="0"/>
-              <a:t>4/22/14</a:t>
+              <a:t>4/28/14</a:t>
             </a:fld>
             <a:endParaRPr lang="en-US"/>
           </a:p>
@@ -1882,7 +1882,7 @@
           <a:p>
             <a:fld id="{EE0C2178-2E82-D643-9F71-942F8020EBB4}" type="datetimeFigureOut">
               <a:rPr lang="en-US" smtClean="0"/>
-              <a:t>4/22/14</a:t>
+              <a:t>4/28/14</a:t>
             </a:fld>
             <a:endParaRPr lang="en-US"/>
           </a:p>
@@ -1977,7 +1977,7 @@
           <a:p>
             <a:fld id="{EE0C2178-2E82-D643-9F71-942F8020EBB4}" type="datetimeFigureOut">
               <a:rPr lang="en-US" smtClean="0"/>
-              <a:t>4/22/14</a:t>
+              <a:t>4/28/14</a:t>
             </a:fld>
             <a:endParaRPr lang="en-US"/>
           </a:p>
@@ -2254,7 +2254,7 @@
           <a:p>
             <a:fld id="{EE0C2178-2E82-D643-9F71-942F8020EBB4}" type="datetimeFigureOut">
               <a:rPr lang="en-US" smtClean="0"/>
-              <a:t>4/22/14</a:t>
+              <a:t>4/28/14</a:t>
             </a:fld>
             <a:endParaRPr lang="en-US"/>
           </a:p>
@@ -2507,7 +2507,7 @@
           <a:p>
             <a:fld id="{EE0C2178-2E82-D643-9F71-942F8020EBB4}" type="datetimeFigureOut">
               <a:rPr lang="en-US" smtClean="0"/>
-              <a:t>4/22/14</a:t>
+              <a:t>4/28/14</a:t>
             </a:fld>
             <a:endParaRPr lang="en-US"/>
           </a:p>
@@ -2720,7 +2720,7 @@
           <a:p>
             <a:fld id="{EE0C2178-2E82-D643-9F71-942F8020EBB4}" type="datetimeFigureOut">
               <a:rPr lang="en-US" smtClean="0"/>
-              <a:t>4/22/14</a:t>
+              <a:t>4/28/14</a:t>
             </a:fld>
             <a:endParaRPr lang="en-US"/>
           </a:p>
@@ -3667,7 +3667,7 @@
         </p:nvSpPr>
         <p:spPr>
           <a:xfrm>
-            <a:off x="1764244" y="1704377"/>
+            <a:off x="2005158" y="2389716"/>
             <a:ext cx="987424" cy="465667"/>
           </a:xfrm>
           <a:prstGeom prst="ellipse">
@@ -4384,7 +4384,7 @@
         <p:spPr>
           <a:xfrm flipH="1" flipV="1">
             <a:off x="1296458" y="1375832"/>
-            <a:ext cx="612391" cy="396740"/>
+            <a:ext cx="853305" cy="1082079"/>
           </a:xfrm>
           <a:prstGeom prst="line">
             <a:avLst/>
@@ -5199,6 +5199,92 @@
           </a:p>
         </p:txBody>
       </p:sp>
+      <p:sp>
+        <p:nvSpPr>
+          <p:cNvPr id="52" name="Oval 51"/>
+          <p:cNvSpPr/>
+          <p:nvPr/>
+        </p:nvSpPr>
+        <p:spPr>
+          <a:xfrm>
+            <a:off x="2645303" y="1704377"/>
+            <a:ext cx="987424" cy="465667"/>
+          </a:xfrm>
+          <a:prstGeom prst="ellipse">
+            <a:avLst/>
+          </a:prstGeom>
+        </p:spPr>
+        <p:style>
+          <a:lnRef idx="1">
+            <a:schemeClr val="accent3"/>
+          </a:lnRef>
+          <a:fillRef idx="3">
+            <a:schemeClr val="accent3"/>
+          </a:fillRef>
+          <a:effectRef idx="2">
+            <a:schemeClr val="accent3"/>
+          </a:effectRef>
+          <a:fontRef idx="minor">
+            <a:schemeClr val="lt1"/>
+          </a:fontRef>
+        </p:style>
+        <p:txBody>
+          <a:bodyPr rtlCol="0" anchor="ctr"/>
+          <a:lstStyle/>
+          <a:p>
+            <a:pPr algn="ctr"/>
+            <a:r>
+              <a:rPr lang="en-US" dirty="0">
+                <a:solidFill>
+                  <a:srgbClr val="000000"/>
+                </a:solidFill>
+              </a:rPr>
+              <a:t>a</a:t>
+            </a:r>
+            <a:r>
+              <a:rPr lang="en-US" dirty="0" smtClean="0">
+                <a:solidFill>
+                  <a:srgbClr val="000000"/>
+                </a:solidFill>
+              </a:rPr>
+              <a:t>ge</a:t>
+            </a:r>
+          </a:p>
+        </p:txBody>
+      </p:sp>
+      <p:cxnSp>
+        <p:nvCxnSpPr>
+          <p:cNvPr id="54" name="Straight Connector 53"/>
+          <p:cNvCxnSpPr>
+            <a:stCxn id="52" idx="1"/>
+            <a:endCxn id="2" idx="2"/>
+          </p:cNvCxnSpPr>
+          <p:nvPr/>
+        </p:nvCxnSpPr>
+        <p:spPr>
+          <a:xfrm flipH="1" flipV="1">
+            <a:off x="1296458" y="1375832"/>
+            <a:ext cx="1493450" cy="396740"/>
+          </a:xfrm>
+          <a:prstGeom prst="line">
+            <a:avLst/>
+          </a:prstGeom>
+        </p:spPr>
+        <p:style>
+          <a:lnRef idx="2">
+            <a:schemeClr val="accent1"/>
+          </a:lnRef>
+          <a:fillRef idx="0">
+            <a:schemeClr val="accent1"/>
+          </a:fillRef>
+          <a:effectRef idx="1">
+            <a:schemeClr val="accent1"/>
+          </a:effectRef>
+          <a:fontRef idx="minor">
+            <a:schemeClr val="tx1"/>
+          </a:fontRef>
+        </p:style>
+      </p:cxnSp>
     </p:spTree>
     <p:extLst>
       <p:ext uri="{BB962C8B-B14F-4D97-AF65-F5344CB8AC3E}">

--- a/cse135schema.pptx
+++ b/cse135schema.pptx
@@ -3667,7 +3667,7 @@
         </p:nvSpPr>
         <p:spPr>
           <a:xfrm>
-            <a:off x="2005158" y="2389716"/>
+            <a:off x="1764244" y="1704377"/>
             <a:ext cx="987424" cy="465667"/>
           </a:xfrm>
           <a:prstGeom prst="ellipse">
@@ -4384,7 +4384,7 @@
         <p:spPr>
           <a:xfrm flipH="1" flipV="1">
             <a:off x="1296458" y="1375832"/>
-            <a:ext cx="853305" cy="1082079"/>
+            <a:ext cx="612391" cy="396740"/>
           </a:xfrm>
           <a:prstGeom prst="line">
             <a:avLst/>
@@ -5199,92 +5199,6 @@
           </a:p>
         </p:txBody>
       </p:sp>
-      <p:sp>
-        <p:nvSpPr>
-          <p:cNvPr id="52" name="Oval 51"/>
-          <p:cNvSpPr/>
-          <p:nvPr/>
-        </p:nvSpPr>
-        <p:spPr>
-          <a:xfrm>
-            <a:off x="2645303" y="1704377"/>
-            <a:ext cx="987424" cy="465667"/>
-          </a:xfrm>
-          <a:prstGeom prst="ellipse">
-            <a:avLst/>
-          </a:prstGeom>
-        </p:spPr>
-        <p:style>
-          <a:lnRef idx="1">
-            <a:schemeClr val="accent3"/>
-          </a:lnRef>
-          <a:fillRef idx="3">
-            <a:schemeClr val="accent3"/>
-          </a:fillRef>
-          <a:effectRef idx="2">
-            <a:schemeClr val="accent3"/>
-          </a:effectRef>
-          <a:fontRef idx="minor">
-            <a:schemeClr val="lt1"/>
-          </a:fontRef>
-        </p:style>
-        <p:txBody>
-          <a:bodyPr rtlCol="0" anchor="ctr"/>
-          <a:lstStyle/>
-          <a:p>
-            <a:pPr algn="ctr"/>
-            <a:r>
-              <a:rPr lang="en-US" dirty="0">
-                <a:solidFill>
-                  <a:srgbClr val="000000"/>
-                </a:solidFill>
-              </a:rPr>
-              <a:t>a</a:t>
-            </a:r>
-            <a:r>
-              <a:rPr lang="en-US" dirty="0" smtClean="0">
-                <a:solidFill>
-                  <a:srgbClr val="000000"/>
-                </a:solidFill>
-              </a:rPr>
-              <a:t>ge</a:t>
-            </a:r>
-          </a:p>
-        </p:txBody>
-      </p:sp>
-      <p:cxnSp>
-        <p:nvCxnSpPr>
-          <p:cNvPr id="54" name="Straight Connector 53"/>
-          <p:cNvCxnSpPr>
-            <a:stCxn id="52" idx="1"/>
-            <a:endCxn id="2" idx="2"/>
-          </p:cNvCxnSpPr>
-          <p:nvPr/>
-        </p:nvCxnSpPr>
-        <p:spPr>
-          <a:xfrm flipH="1" flipV="1">
-            <a:off x="1296458" y="1375832"/>
-            <a:ext cx="1493450" cy="396740"/>
-          </a:xfrm>
-          <a:prstGeom prst="line">
-            <a:avLst/>
-          </a:prstGeom>
-        </p:spPr>
-        <p:style>
-          <a:lnRef idx="2">
-            <a:schemeClr val="accent1"/>
-          </a:lnRef>
-          <a:fillRef idx="0">
-            <a:schemeClr val="accent1"/>
-          </a:fillRef>
-          <a:effectRef idx="1">
-            <a:schemeClr val="accent1"/>
-          </a:effectRef>
-          <a:fontRef idx="minor">
-            <a:schemeClr val="tx1"/>
-          </a:fontRef>
-        </p:style>
-      </p:cxnSp>
     </p:spTree>
     <p:extLst>
       <p:ext uri="{BB962C8B-B14F-4D97-AF65-F5344CB8AC3E}">
